--- a/Saas DB design overv 1a.pptx
+++ b/Saas DB design overv 1a.pptx
@@ -148,7 +148,7 @@
   </p:defaultTextStyle>
   <p:extLst>
     <p:ext uri="{EFAFB233-063F-42B5-8137-9DF3F51BA10A}">
-      <p15:sldGuideLst xmlns:p15="http://schemas.microsoft.com/office/powerpoint/2012/main" xmlns="">
+      <p15:sldGuideLst xmlns:p15="http://schemas.microsoft.com/office/powerpoint/2012/main">
         <p15:guide id="1" orient="horz" pos="2189">
           <p15:clr>
             <a:srgbClr val="A4A3A4"/>
@@ -162,7 +162,7 @@
       </p15:sldGuideLst>
     </p:ext>
     <p:ext uri="{2D200454-40CA-4A62-9FC3-DE9A4176ACB9}">
-      <p15:notesGuideLst xmlns:p15="http://schemas.microsoft.com/office/powerpoint/2012/main" xmlns=""/>
+      <p15:notesGuideLst xmlns:p15="http://schemas.microsoft.com/office/powerpoint/2012/main"/>
     </p:ext>
   </p:extLst>
 </p:presentation>
@@ -954,7 +954,7 @@
                 <a:latin typeface="Times"/>
               </a:rPr>
               <a:pPr/>
-              <a:t>2/7/2025</a:t>
+              <a:t>2/9/2025</a:t>
             </a:fld>
             <a:endParaRPr lang="en-US" altLang="en-US" dirty="0">
               <a:latin typeface="Times"/>
@@ -1034,7 +1034,7 @@
         <p:cNvPr id="1" name="">
           <a:extLst>
             <a:ext uri="{FF2B5EF4-FFF2-40B4-BE49-F238E27FC236}">
-              <a16:creationId xmlns:a16="http://schemas.microsoft.com/office/drawing/2014/main" xmlns="" id="{FB2DAD75-A7FD-2CD1-1718-6C5666BA3329}"/>
+              <a16:creationId xmlns:a16="http://schemas.microsoft.com/office/drawing/2014/main" id="{FB2DAD75-A7FD-2CD1-1718-6C5666BA3329}"/>
             </a:ext>
           </a:extLst>
         </p:cNvPr>
@@ -1054,7 +1054,7 @@
           <p:cNvPr id="6146" name="Slide Image Placeholder 1">
             <a:extLst>
               <a:ext uri="{FF2B5EF4-FFF2-40B4-BE49-F238E27FC236}">
-                <a16:creationId xmlns:a16="http://schemas.microsoft.com/office/drawing/2014/main" xmlns="" id="{415BA20D-B3C4-05D1-4960-877A1ACDDC40}"/>
+                <a16:creationId xmlns:a16="http://schemas.microsoft.com/office/drawing/2014/main" id="{415BA20D-B3C4-05D1-4960-877A1ACDDC40}"/>
               </a:ext>
             </a:extLst>
           </p:cNvPr>
@@ -1074,7 +1074,7 @@
           <p:cNvPr id="6147" name="Notes Placeholder 2">
             <a:extLst>
               <a:ext uri="{FF2B5EF4-FFF2-40B4-BE49-F238E27FC236}">
-                <a16:creationId xmlns:a16="http://schemas.microsoft.com/office/drawing/2014/main" xmlns="" id="{6D97F95E-00AF-4991-77BC-AF725BE9F114}"/>
+                <a16:creationId xmlns:a16="http://schemas.microsoft.com/office/drawing/2014/main" id="{6D97F95E-00AF-4991-77BC-AF725BE9F114}"/>
               </a:ext>
             </a:extLst>
           </p:cNvPr>
@@ -1104,7 +1104,7 @@
           <p:cNvPr id="6148" name="Header Placeholder 3">
             <a:extLst>
               <a:ext uri="{FF2B5EF4-FFF2-40B4-BE49-F238E27FC236}">
-                <a16:creationId xmlns:a16="http://schemas.microsoft.com/office/drawing/2014/main" xmlns="" id="{4A3F503B-799D-3680-B706-08FF4580AEA3}"/>
+                <a16:creationId xmlns:a16="http://schemas.microsoft.com/office/drawing/2014/main" id="{4A3F503B-799D-3680-B706-08FF4580AEA3}"/>
               </a:ext>
             </a:extLst>
           </p:cNvPr>
@@ -1136,7 +1136,7 @@
           <p:cNvPr id="6149" name="Date Placeholder 4">
             <a:extLst>
               <a:ext uri="{FF2B5EF4-FFF2-40B4-BE49-F238E27FC236}">
-                <a16:creationId xmlns:a16="http://schemas.microsoft.com/office/drawing/2014/main" xmlns="" id="{B71E0845-E184-BB7F-6108-F9FE95C682B2}"/>
+                <a16:creationId xmlns:a16="http://schemas.microsoft.com/office/drawing/2014/main" id="{B71E0845-E184-BB7F-6108-F9FE95C682B2}"/>
               </a:ext>
             </a:extLst>
           </p:cNvPr>
@@ -1159,7 +1159,7 @@
                 <a:latin typeface="Times"/>
               </a:rPr>
               <a:pPr/>
-              <a:t>2/7/2025</a:t>
+              <a:t>2/9/2025</a:t>
             </a:fld>
             <a:endParaRPr lang="en-US" altLang="en-US" dirty="0">
               <a:latin typeface="Times"/>
@@ -1172,7 +1172,7 @@
           <p:cNvPr id="6150" name="Footer Placeholder 5">
             <a:extLst>
               <a:ext uri="{FF2B5EF4-FFF2-40B4-BE49-F238E27FC236}">
-                <a16:creationId xmlns:a16="http://schemas.microsoft.com/office/drawing/2014/main" xmlns="" id="{9D235647-93CB-198A-18D2-BC15A1F2456F}"/>
+                <a16:creationId xmlns:a16="http://schemas.microsoft.com/office/drawing/2014/main" id="{9D235647-93CB-198A-18D2-BC15A1F2456F}"/>
               </a:ext>
             </a:extLst>
           </p:cNvPr>
@@ -1204,7 +1204,7 @@
           <p:cNvPr id="6151" name="Slide Number Placeholder 6">
             <a:extLst>
               <a:ext uri="{FF2B5EF4-FFF2-40B4-BE49-F238E27FC236}">
-                <a16:creationId xmlns:a16="http://schemas.microsoft.com/office/drawing/2014/main" xmlns="" id="{180F4E1D-439D-CC80-55E5-AF1F1F427853}"/>
+                <a16:creationId xmlns:a16="http://schemas.microsoft.com/office/drawing/2014/main" id="{180F4E1D-439D-CC80-55E5-AF1F1F427853}"/>
               </a:ext>
             </a:extLst>
           </p:cNvPr>
@@ -1351,7 +1351,7 @@
                 <a:latin typeface="Times"/>
               </a:rPr>
               <a:pPr/>
-              <a:t>2/7/2025</a:t>
+              <a:t>2/9/2025</a:t>
             </a:fld>
             <a:endParaRPr lang="en-US" altLang="en-US" dirty="0">
               <a:latin typeface="Times"/>
@@ -1526,7 +1526,7 @@
                 <a:latin typeface="Times"/>
               </a:rPr>
               <a:pPr/>
-              <a:t>2/7/2025</a:t>
+              <a:t>2/9/2025</a:t>
             </a:fld>
             <a:endParaRPr lang="en-US" altLang="en-US" dirty="0">
               <a:latin typeface="Times"/>
@@ -1701,7 +1701,7 @@
                 <a:latin typeface="Times"/>
               </a:rPr>
               <a:pPr/>
-              <a:t>2/7/2025</a:t>
+              <a:t>2/9/2025</a:t>
             </a:fld>
             <a:endParaRPr lang="en-US" altLang="en-US" dirty="0">
               <a:latin typeface="Times"/>
@@ -1876,7 +1876,7 @@
                 <a:latin typeface="Times"/>
               </a:rPr>
               <a:pPr/>
-              <a:t>2/7/2025</a:t>
+              <a:t>2/9/2025</a:t>
             </a:fld>
             <a:endParaRPr lang="en-US" altLang="en-US" dirty="0">
               <a:latin typeface="Times"/>
@@ -1956,7 +1956,7 @@
         <p:cNvPr id="1" name="">
           <a:extLst>
             <a:ext uri="{FF2B5EF4-FFF2-40B4-BE49-F238E27FC236}">
-              <a16:creationId xmlns:a16="http://schemas.microsoft.com/office/drawing/2014/main" xmlns="" id="{D5A54439-B015-7619-BD1B-3052340B1541}"/>
+              <a16:creationId xmlns:a16="http://schemas.microsoft.com/office/drawing/2014/main" id="{D5A54439-B015-7619-BD1B-3052340B1541}"/>
             </a:ext>
           </a:extLst>
         </p:cNvPr>
@@ -1976,7 +1976,7 @@
           <p:cNvPr id="6146" name="Slide Image Placeholder 1">
             <a:extLst>
               <a:ext uri="{FF2B5EF4-FFF2-40B4-BE49-F238E27FC236}">
-                <a16:creationId xmlns:a16="http://schemas.microsoft.com/office/drawing/2014/main" xmlns="" id="{2545B6C3-64CF-87CB-5DAD-6A543139C815}"/>
+                <a16:creationId xmlns:a16="http://schemas.microsoft.com/office/drawing/2014/main" id="{2545B6C3-64CF-87CB-5DAD-6A543139C815}"/>
               </a:ext>
             </a:extLst>
           </p:cNvPr>
@@ -1996,7 +1996,7 @@
           <p:cNvPr id="6147" name="Notes Placeholder 2">
             <a:extLst>
               <a:ext uri="{FF2B5EF4-FFF2-40B4-BE49-F238E27FC236}">
-                <a16:creationId xmlns:a16="http://schemas.microsoft.com/office/drawing/2014/main" xmlns="" id="{0285F40F-EDDA-70AC-928C-BF4CE6E37D10}"/>
+                <a16:creationId xmlns:a16="http://schemas.microsoft.com/office/drawing/2014/main" id="{0285F40F-EDDA-70AC-928C-BF4CE6E37D10}"/>
               </a:ext>
             </a:extLst>
           </p:cNvPr>
@@ -2026,7 +2026,7 @@
           <p:cNvPr id="6148" name="Header Placeholder 3">
             <a:extLst>
               <a:ext uri="{FF2B5EF4-FFF2-40B4-BE49-F238E27FC236}">
-                <a16:creationId xmlns:a16="http://schemas.microsoft.com/office/drawing/2014/main" xmlns="" id="{3B7C1F21-3164-227B-B5C0-114D31012400}"/>
+                <a16:creationId xmlns:a16="http://schemas.microsoft.com/office/drawing/2014/main" id="{3B7C1F21-3164-227B-B5C0-114D31012400}"/>
               </a:ext>
             </a:extLst>
           </p:cNvPr>
@@ -2058,7 +2058,7 @@
           <p:cNvPr id="6149" name="Date Placeholder 4">
             <a:extLst>
               <a:ext uri="{FF2B5EF4-FFF2-40B4-BE49-F238E27FC236}">
-                <a16:creationId xmlns:a16="http://schemas.microsoft.com/office/drawing/2014/main" xmlns="" id="{0E23D8A4-793F-6457-FB39-ECC602B031EC}"/>
+                <a16:creationId xmlns:a16="http://schemas.microsoft.com/office/drawing/2014/main" id="{0E23D8A4-793F-6457-FB39-ECC602B031EC}"/>
               </a:ext>
             </a:extLst>
           </p:cNvPr>
@@ -2081,7 +2081,7 @@
                 <a:latin typeface="Times"/>
               </a:rPr>
               <a:pPr/>
-              <a:t>2/7/2025</a:t>
+              <a:t>2/9/2025</a:t>
             </a:fld>
             <a:endParaRPr lang="en-US" altLang="en-US" dirty="0">
               <a:latin typeface="Times"/>
@@ -2094,7 +2094,7 @@
           <p:cNvPr id="6150" name="Footer Placeholder 5">
             <a:extLst>
               <a:ext uri="{FF2B5EF4-FFF2-40B4-BE49-F238E27FC236}">
-                <a16:creationId xmlns:a16="http://schemas.microsoft.com/office/drawing/2014/main" xmlns="" id="{70A96DD3-E218-358F-988A-A0CFC87E5C4B}"/>
+                <a16:creationId xmlns:a16="http://schemas.microsoft.com/office/drawing/2014/main" id="{70A96DD3-E218-358F-988A-A0CFC87E5C4B}"/>
               </a:ext>
             </a:extLst>
           </p:cNvPr>
@@ -2126,7 +2126,7 @@
           <p:cNvPr id="6151" name="Slide Number Placeholder 6">
             <a:extLst>
               <a:ext uri="{FF2B5EF4-FFF2-40B4-BE49-F238E27FC236}">
-                <a16:creationId xmlns:a16="http://schemas.microsoft.com/office/drawing/2014/main" xmlns="" id="{086CDB4D-27E0-074B-7366-BBB147E68237}"/>
+                <a16:creationId xmlns:a16="http://schemas.microsoft.com/office/drawing/2014/main" id="{086CDB4D-27E0-074B-7366-BBB147E68237}"/>
               </a:ext>
             </a:extLst>
           </p:cNvPr>
@@ -4909,7 +4909,7 @@
         </p:nvSpPr>
         <p:spPr>
           <a:xfrm>
-            <a:off x="238548" y="198437"/>
+            <a:off x="91281" y="198911"/>
             <a:ext cx="9341386" cy="1942957"/>
           </a:xfrm>
           <a:solidFill>
@@ -4932,81 +4932,54 @@
               <a:defRPr/>
             </a:pPr>
             <a:r>
-              <a:rPr lang="en-US" dirty="0" smtClean="0">
+              <a:rPr lang="en-US" dirty="0">
                 <a:effectLst/>
               </a:rPr>
               <a:t>Kenton A. Fong</a:t>
             </a:r>
             <a:br>
-              <a:rPr lang="en-US" dirty="0" smtClean="0">
+              <a:rPr lang="en-US" dirty="0">
                 <a:effectLst/>
               </a:rPr>
             </a:br>
-            <a:r>
-              <a:rPr lang="en-US" dirty="0" smtClean="0">
+            <a:br>
+              <a:rPr lang="en-US" dirty="0">
                 <a:effectLst/>
               </a:rPr>
-              <a:t/>
+            </a:br>
+            <a:r>
+              <a:rPr lang="en-US" dirty="0">
+                <a:effectLst/>
+              </a:rPr>
+              <a:t>Financial Analysis-  Key Insights &amp; Recommendations</a:t>
             </a:r>
             <a:br>
-              <a:rPr lang="en-US" dirty="0" smtClean="0">
+              <a:rPr lang="en-US" dirty="0">
                 <a:effectLst/>
               </a:rPr>
             </a:br>
-            <a:r>
-              <a:rPr lang="en-US" dirty="0" smtClean="0">
+            <a:br>
+              <a:rPr lang="en-US" dirty="0">
                 <a:effectLst/>
               </a:rPr>
-              <a:t>Financial Analysis Presentation</a:t>
+            </a:br>
+            <a:r>
+              <a:rPr lang="en-US" dirty="0">
+                <a:effectLst/>
+              </a:rPr>
+              <a:t>Portfolio Project:</a:t>
             </a:r>
             <a:br>
-              <a:rPr lang="en-US" dirty="0" smtClean="0">
+              <a:rPr lang="en-US" dirty="0">
                 <a:effectLst/>
               </a:rPr>
             </a:br>
             <a:r>
-              <a:rPr lang="en-US" dirty="0" smtClean="0">
+              <a:rPr lang="en-US" dirty="0">
                 <a:effectLst/>
               </a:rPr>
-              <a:t/>
-            </a:r>
-            <a:br>
-              <a:rPr lang="en-US" dirty="0" smtClean="0">
-                <a:effectLst/>
-              </a:rPr>
-            </a:br>
-            <a:r>
-              <a:rPr lang="en-US" dirty="0" smtClean="0">
-                <a:effectLst/>
-              </a:rPr>
-              <a:t>Portfolio Project:</a:t>
-            </a:r>
-            <a:br>
-              <a:rPr lang="en-US" dirty="0" smtClean="0">
-                <a:effectLst/>
-              </a:rPr>
-            </a:br>
-            <a:r>
-              <a:rPr lang="en-US" dirty="0" smtClean="0">
-                <a:effectLst/>
-              </a:rPr>
-              <a:t>    New </a:t>
-            </a:r>
-            <a:r>
-              <a:rPr lang="en-US" dirty="0" err="1" smtClean="0">
-                <a:effectLst/>
-              </a:rPr>
-              <a:t>Saas</a:t>
-            </a:r>
-            <a:r>
-              <a:rPr lang="en-US" dirty="0" smtClean="0">
-                <a:effectLst/>
-              </a:rPr>
-              <a:t> (Software-as-a-Service) Inc.</a:t>
-            </a:r>
-            <a:endParaRPr lang="en-US" dirty="0">
-              <a:effectLst/>
-            </a:endParaRPr>
+              <a:t>    New Saas (Software-as-a-Service) Inc.</a:t>
+            </a:r>
           </a:p>
         </p:txBody>
       </p:sp>
@@ -5054,7 +5027,7 @@
           <p:cNvPr id="5" name="Text Box 3">
             <a:extLst>
               <a:ext uri="{FF2B5EF4-FFF2-40B4-BE49-F238E27FC236}">
-                <a16:creationId xmlns:a16="http://schemas.microsoft.com/office/drawing/2014/main" xmlns="" id="{AFD96FB7-0FBE-CCE1-6C4E-0DE03353B97E}"/>
+                <a16:creationId xmlns:a16="http://schemas.microsoft.com/office/drawing/2014/main" id="{AFD96FB7-0FBE-CCE1-6C4E-0DE03353B97E}"/>
               </a:ext>
             </a:extLst>
           </p:cNvPr>
@@ -5099,14 +5072,11 @@
               </a:spcBef>
             </a:pPr>
             <a:r>
-              <a:rPr lang="en-US" sz="1200" b="1" i="0" dirty="0" smtClean="0">
+              <a:rPr lang="en-US" sz="1200" b="1" i="0" dirty="0">
                 <a:latin typeface="HigherStandards-Light" pitchFamily="2" charset="0"/>
               </a:rPr>
               <a:t> </a:t>
             </a:r>
-            <a:endParaRPr lang="en-US" sz="1200" b="1" i="0" dirty="0">
-              <a:latin typeface="HigherStandards-Light" pitchFamily="2" charset="0"/>
-            </a:endParaRPr>
           </a:p>
           <a:p>
             <a:pPr>
@@ -5115,60 +5085,18 @@
               </a:spcBef>
             </a:pPr>
             <a:r>
-              <a:rPr lang="en-US" sz="1200" b="1" i="0" dirty="0" smtClean="0">
+              <a:rPr lang="en-US" sz="1200" b="1" i="0" dirty="0">
                 <a:latin typeface="Arial" panose="020B0604020202090204" pitchFamily="34" charset="0"/>
                 <a:cs typeface="Arial" panose="020B0604020202090204" pitchFamily="34" charset="0"/>
               </a:rPr>
               <a:t>Purpose-	</a:t>
-            </a:r>
-            <a:r>
-              <a:rPr lang="en-US" sz="1200" i="0" dirty="0" smtClean="0">
-                <a:latin typeface="Arial" panose="020B0604020202090204" pitchFamily="34" charset="0"/>
-                <a:cs typeface="Arial" panose="020B0604020202090204" pitchFamily="34" charset="0"/>
-              </a:rPr>
-              <a:t>The purpose of this project is to i</a:t>
-            </a:r>
-            <a:r>
-              <a:rPr lang="en-US" sz="1200" i="0" dirty="0" smtClean="0">
-                <a:latin typeface="Arial" panose="020B0604020202090204" pitchFamily="34" charset="0"/>
-                <a:cs typeface="Arial" panose="020B0604020202090204" pitchFamily="34" charset="0"/>
-              </a:rPr>
-              <a:t>dentify key busines</a:t>
-            </a:r>
-            <a:r>
-              <a:rPr lang="en-US" sz="1200" i="0" dirty="0" smtClean="0">
-                <a:latin typeface="Arial" panose="020B0604020202090204" pitchFamily="34" charset="0"/>
-                <a:cs typeface="Arial" panose="020B0604020202090204" pitchFamily="34" charset="0"/>
-              </a:rPr>
-              <a:t>s </a:t>
-            </a:r>
-            <a:r>
-              <a:rPr lang="en-US" sz="1200" i="0" dirty="0" smtClean="0">
-                <a:latin typeface="Arial" panose="020B0604020202090204" pitchFamily="34" charset="0"/>
-                <a:cs typeface="Arial" panose="020B0604020202090204" pitchFamily="34" charset="0"/>
-              </a:rPr>
-              <a:t>insights and </a:t>
-            </a:r>
-            <a:r>
-              <a:rPr lang="en-US" sz="1200" i="0" dirty="0" smtClean="0">
-                <a:latin typeface="Arial" panose="020B0604020202090204" pitchFamily="34" charset="0"/>
-                <a:cs typeface="Arial" panose="020B0604020202090204" pitchFamily="34" charset="0"/>
-              </a:rPr>
-              <a:t>recommendations for </a:t>
             </a:r>
             <a:r>
               <a:rPr lang="en-US" sz="1200" i="0" dirty="0">
                 <a:latin typeface="Arial" panose="020B0604020202090204" pitchFamily="34" charset="0"/>
                 <a:cs typeface="Arial" panose="020B0604020202090204" pitchFamily="34" charset="0"/>
               </a:rPr>
-              <a:t>a </a:t>
-            </a:r>
-            <a:r>
-              <a:rPr lang="en-US" sz="1200" i="0" dirty="0" smtClean="0">
-                <a:latin typeface="Arial" panose="020B0604020202090204" pitchFamily="34" charset="0"/>
-                <a:cs typeface="Arial" panose="020B0604020202090204" pitchFamily="34" charset="0"/>
-              </a:rPr>
-              <a:t>hypothetical </a:t>
+              <a:t>The purpose of this project is to identify key business insights and recommendations for a hypothetical </a:t>
             </a:r>
             <a:r>
               <a:rPr lang="en-US" sz="1200" i="0" dirty="0" err="1">
@@ -5182,21 +5110,7 @@
                 <a:latin typeface="Arial" panose="020B0604020202090204" pitchFamily="34" charset="0"/>
                 <a:cs typeface="Arial" panose="020B0604020202090204" pitchFamily="34" charset="0"/>
               </a:rPr>
-              <a:t> (Software-as-a-service) </a:t>
-            </a:r>
-            <a:r>
-              <a:rPr lang="en-US" sz="1200" i="0" dirty="0" smtClean="0">
-                <a:latin typeface="Arial" panose="020B0604020202090204" pitchFamily="34" charset="0"/>
-                <a:cs typeface="Arial" panose="020B0604020202090204" pitchFamily="34" charset="0"/>
-              </a:rPr>
-              <a:t>company that </a:t>
-            </a:r>
-            <a:r>
-              <a:rPr lang="en-US" sz="1200" i="0" dirty="0" smtClean="0">
-                <a:latin typeface="Arial" panose="020B0604020202090204" pitchFamily="34" charset="0"/>
-                <a:cs typeface="Arial" panose="020B0604020202090204" pitchFamily="34" charset="0"/>
-              </a:rPr>
-              <a:t>can be presented to either the Sales, Marketing, and/or Product teams.  </a:t>
+              <a:t> (Software-as-a-service) company that can be presented to either the Sales, Marketing, and/or Product teams.  </a:t>
             </a:r>
           </a:p>
           <a:p>
@@ -5217,25 +5131,18 @@
               </a:spcBef>
             </a:pPr>
             <a:r>
-              <a:rPr lang="en-US" sz="1200" b="1" i="0" dirty="0" smtClean="0">
+              <a:rPr lang="en-US" sz="1200" b="1" i="0" dirty="0">
                 <a:latin typeface="Arial" panose="020B0604020202090204" pitchFamily="34" charset="0"/>
                 <a:cs typeface="Arial" panose="020B0604020202090204" pitchFamily="34" charset="0"/>
               </a:rPr>
               <a:t>Resources-	</a:t>
-            </a:r>
-            <a:r>
-              <a:rPr lang="en-US" sz="1200" i="0" dirty="0" smtClean="0">
-                <a:latin typeface="Arial" panose="020B0604020202090204" pitchFamily="34" charset="0"/>
-                <a:cs typeface="Arial" panose="020B0604020202090204" pitchFamily="34" charset="0"/>
-              </a:rPr>
-              <a:t>Several </a:t>
             </a:r>
             <a:r>
               <a:rPr lang="en-US" sz="1200" i="0" dirty="0">
                 <a:latin typeface="Arial" panose="020B0604020202090204" pitchFamily="34" charset="0"/>
                 <a:cs typeface="Arial" panose="020B0604020202090204" pitchFamily="34" charset="0"/>
               </a:rPr>
-              <a:t>technological resources were used:  SQL, Tableau software, Excel, Microsoft Word and PowerPoint.</a:t>
+              <a:t>Several technological resources were used:  SQL, Tableau software, Excel, Microsoft Word and PowerPoint.</a:t>
             </a:r>
           </a:p>
           <a:p>
@@ -5256,23 +5163,19 @@
               </a:spcBef>
             </a:pPr>
             <a:r>
-              <a:rPr lang="en-US" sz="1200" b="1" i="0" dirty="0" smtClean="0">
+              <a:rPr lang="en-US" sz="1200" b="1" i="0" dirty="0">
                 <a:latin typeface="Arial" panose="020B0604020202090204" pitchFamily="34" charset="0"/>
                 <a:cs typeface="Arial" panose="020B0604020202090204" pitchFamily="34" charset="0"/>
               </a:rPr>
               <a:t>Methodology-</a:t>
             </a:r>
             <a:r>
-              <a:rPr lang="en-US" sz="1200" i="0" dirty="0" smtClean="0">
+              <a:rPr lang="en-US" sz="1200" i="0" dirty="0">
                 <a:latin typeface="Arial" panose="020B0604020202090204" pitchFamily="34" charset="0"/>
                 <a:cs typeface="Arial" panose="020B0604020202090204" pitchFamily="34" charset="0"/>
               </a:rPr>
               <a:t>    1)  Identified key financial data that is relevant to Sales and Marketing Teams, 2) designed initial layout and content of a sales database in Excel,  3) performed preliminary financial analysis, 4) uploaded data into SQL to obtain additional insights, 5) drafted key insights and recommendations, and 6) loaded data into Tableau to create various dashboard charts and graphs. </a:t>
             </a:r>
-            <a:endParaRPr lang="en-US" sz="1200" i="0" dirty="0" smtClean="0">
-              <a:latin typeface="Arial" panose="020B0604020202090204" pitchFamily="34" charset="0"/>
-              <a:cs typeface="Arial" panose="020B0604020202090204" pitchFamily="34" charset="0"/>
-            </a:endParaRPr>
           </a:p>
           <a:p>
             <a:pPr>
@@ -5292,39 +5195,32 @@
               </a:spcBef>
             </a:pPr>
             <a:r>
-              <a:rPr lang="en-US" sz="1200" b="1" i="0" dirty="0" smtClean="0">
+              <a:rPr lang="en-US" sz="1200" b="1" i="0" dirty="0">
                 <a:latin typeface="Arial" panose="020B0604020202090204" pitchFamily="34" charset="0"/>
                 <a:cs typeface="Arial" panose="020B0604020202090204" pitchFamily="34" charset="0"/>
               </a:rPr>
               <a:t>Date-	</a:t>
             </a:r>
             <a:r>
-              <a:rPr lang="en-US" sz="1200" i="0" dirty="0" smtClean="0">
+              <a:rPr lang="en-US" sz="1200" i="0" dirty="0">
                 <a:latin typeface="Arial" panose="020B0604020202090204" pitchFamily="34" charset="0"/>
                 <a:cs typeface="Arial" panose="020B0604020202090204" pitchFamily="34" charset="0"/>
               </a:rPr>
               <a:t>February 7</a:t>
             </a:r>
             <a:r>
-              <a:rPr lang="en-US" sz="1200" i="0" baseline="30000" dirty="0" smtClean="0">
+              <a:rPr lang="en-US" sz="1200" i="0" baseline="30000" dirty="0">
                 <a:latin typeface="Arial" panose="020B0604020202090204" pitchFamily="34" charset="0"/>
                 <a:cs typeface="Arial" panose="020B0604020202090204" pitchFamily="34" charset="0"/>
               </a:rPr>
               <a:t>th</a:t>
             </a:r>
             <a:r>
-              <a:rPr lang="en-US" sz="1200" i="0" dirty="0" smtClean="0">
+              <a:rPr lang="en-US" sz="1200" i="0" dirty="0">
                 <a:latin typeface="Arial" panose="020B0604020202090204" pitchFamily="34" charset="0"/>
                 <a:cs typeface="Arial" panose="020B0604020202090204" pitchFamily="34" charset="0"/>
               </a:rPr>
-              <a:t>, 2025</a:t>
-            </a:r>
-            <a:r>
-              <a:rPr lang="en-US" sz="1200" i="0" dirty="0" smtClean="0">
-                <a:latin typeface="Arial" panose="020B0604020202090204" pitchFamily="34" charset="0"/>
-                <a:cs typeface="Arial" panose="020B0604020202090204" pitchFamily="34" charset="0"/>
-              </a:rPr>
-              <a:t> </a:t>
+              <a:t>, 2025 </a:t>
             </a:r>
           </a:p>
           <a:p>
@@ -5358,7 +5254,7 @@
         <p:cNvPr id="1" name="">
           <a:extLst>
             <a:ext uri="{FF2B5EF4-FFF2-40B4-BE49-F238E27FC236}">
-              <a16:creationId xmlns:a16="http://schemas.microsoft.com/office/drawing/2014/main" xmlns="" id="{A0E931E4-B547-D617-192D-DE42FC92AAFE}"/>
+              <a16:creationId xmlns:a16="http://schemas.microsoft.com/office/drawing/2014/main" id="{A0E931E4-B547-D617-192D-DE42FC92AAFE}"/>
             </a:ext>
           </a:extLst>
         </p:cNvPr>
@@ -5378,7 +5274,7 @@
           <p:cNvPr id="2" name="Title 1">
             <a:extLst>
               <a:ext uri="{FF2B5EF4-FFF2-40B4-BE49-F238E27FC236}">
-                <a16:creationId xmlns:a16="http://schemas.microsoft.com/office/drawing/2014/main" xmlns="" id="{B52143F4-6A64-71ED-B3BB-2E83DE3A0D2E}"/>
+                <a16:creationId xmlns:a16="http://schemas.microsoft.com/office/drawing/2014/main" id="{B52143F4-6A64-71ED-B3BB-2E83DE3A0D2E}"/>
               </a:ext>
             </a:extLst>
           </p:cNvPr>
@@ -5427,7 +5323,7 @@
           <p:cNvPr id="8" name="Slide Number Placeholder 3">
             <a:extLst>
               <a:ext uri="{FF2B5EF4-FFF2-40B4-BE49-F238E27FC236}">
-                <a16:creationId xmlns:a16="http://schemas.microsoft.com/office/drawing/2014/main" xmlns="" id="{D667DA2F-649A-71A1-5E5F-DB3E7F4921F9}"/>
+                <a16:creationId xmlns:a16="http://schemas.microsoft.com/office/drawing/2014/main" id="{D667DA2F-649A-71A1-5E5F-DB3E7F4921F9}"/>
               </a:ext>
             </a:extLst>
           </p:cNvPr>
@@ -5581,48 +5477,39 @@
               <a:defRPr/>
             </a:pPr>
             <a:r>
-              <a:rPr lang="en-US" dirty="0" smtClean="0">
+              <a:rPr lang="en-US" dirty="0">
                 <a:effectLst/>
               </a:rPr>
               <a:t>New </a:t>
             </a:r>
             <a:r>
-              <a:rPr lang="en-US" dirty="0" err="1" smtClean="0">
+              <a:rPr lang="en-US" dirty="0" err="1">
                 <a:effectLst/>
               </a:rPr>
               <a:t>Saas</a:t>
             </a:r>
             <a:r>
-              <a:rPr lang="en-US" dirty="0" smtClean="0">
+              <a:rPr lang="en-US" dirty="0">
                 <a:effectLst/>
               </a:rPr>
               <a:t> (Software-as-a-Service) Inc.</a:t>
             </a:r>
             <a:br>
-              <a:rPr lang="en-US" dirty="0" smtClean="0">
+              <a:rPr lang="en-US" dirty="0">
                 <a:effectLst/>
               </a:rPr>
             </a:br>
-            <a:r>
-              <a:rPr lang="en-US" dirty="0" smtClean="0">
+            <a:br>
+              <a:rPr lang="en-US" dirty="0">
                 <a:effectLst/>
               </a:rPr>
-              <a:t/>
-            </a:r>
-            <a:br>
-              <a:rPr lang="en-US" dirty="0" smtClean="0">
+            </a:br>
+            <a:r>
+              <a:rPr lang="en-US" dirty="0">
                 <a:effectLst/>
               </a:rPr>
-            </a:br>
-            <a:r>
-              <a:rPr lang="en-US" dirty="0" smtClean="0">
-                <a:effectLst/>
-              </a:rPr>
               <a:t>Key Insights</a:t>
             </a:r>
-            <a:endParaRPr lang="en-US" dirty="0">
-              <a:effectLst/>
-            </a:endParaRPr>
           </a:p>
         </p:txBody>
       </p:sp>
@@ -5670,7 +5557,7 @@
           <p:cNvPr id="5" name="Text Box 3">
             <a:extLst>
               <a:ext uri="{FF2B5EF4-FFF2-40B4-BE49-F238E27FC236}">
-                <a16:creationId xmlns:a16="http://schemas.microsoft.com/office/drawing/2014/main" xmlns="" id="{AFD96FB7-0FBE-CCE1-6C4E-0DE03353B97E}"/>
+                <a16:creationId xmlns:a16="http://schemas.microsoft.com/office/drawing/2014/main" id="{AFD96FB7-0FBE-CCE1-6C4E-0DE03353B97E}"/>
               </a:ext>
             </a:extLst>
           </p:cNvPr>
@@ -5682,7 +5569,7 @@
         <p:spPr bwMode="auto">
           <a:xfrm>
             <a:off x="203828" y="1388465"/>
-            <a:ext cx="9376106" cy="4897866"/>
+            <a:ext cx="9376106" cy="5267198"/>
           </a:xfrm>
           <a:prstGeom prst="rect">
             <a:avLst/>
@@ -5715,46 +5602,55 @@
               </a:spcBef>
             </a:pPr>
             <a:r>
-              <a:rPr lang="en-US" sz="1200" b="1" i="0" dirty="0" smtClean="0">
+              <a:rPr lang="en-US" sz="1200" b="1" i="0" dirty="0">
                 <a:latin typeface="HigherStandards-Light" pitchFamily="2" charset="0"/>
               </a:rPr>
               <a:t> </a:t>
             </a:r>
-            <a:endParaRPr lang="en-US" sz="1200" b="1" i="0" dirty="0">
-              <a:latin typeface="HigherStandards-Light" pitchFamily="2" charset="0"/>
-            </a:endParaRPr>
           </a:p>
           <a:p>
             <a:r>
               <a:rPr lang="en-US" sz="1200" b="1" i="0" dirty="0"/>
-              <a:t>Business Profile and Financial Highlights for the year 2024</a:t>
-            </a:r>
-            <a:r>
-              <a:rPr lang="en-US" sz="1200" b="1" i="0" dirty="0" smtClean="0"/>
-              <a:t>:</a:t>
+              <a:t>Business Profile and Financial Highlights for the year 2024:</a:t>
             </a:r>
           </a:p>
           <a:p>
             <a:endParaRPr lang="en-US" sz="1200" i="0" dirty="0"/>
+          </a:p>
+          <a:p>
+            <a:pPr marL="628558" lvl="1" indent="-171450">
+              <a:buFont typeface="Wingdings" panose="05000000000000000000" pitchFamily="2" charset="2"/>
+              <a:buChar char="q"/>
+            </a:pPr>
+            <a:r>
+              <a:rPr lang="en-US" sz="1200" i="0" dirty="0"/>
+              <a:t>New </a:t>
+            </a:r>
+            <a:r>
+              <a:rPr lang="en-US" sz="1200" i="0" dirty="0" err="1"/>
+              <a:t>Saas</a:t>
+            </a:r>
+            <a:r>
+              <a:rPr lang="en-US" sz="1200" i="0" dirty="0"/>
+              <a:t> Inc. serves ninety-nine major corporate customers across the globe. </a:t>
+            </a:r>
           </a:p>
           <a:p>
             <a:pPr marL="171450" indent="-171450">
               <a:buFont typeface="Wingdings" panose="05000000000000000000" pitchFamily="2" charset="2"/>
               <a:buChar char="q"/>
             </a:pPr>
+            <a:endParaRPr lang="en-US" sz="1200" i="0" dirty="0"/>
+          </a:p>
+          <a:p>
+            <a:pPr marL="628558" lvl="1" indent="-171450">
+              <a:buFont typeface="Wingdings" panose="05000000000000000000" pitchFamily="2" charset="2"/>
+              <a:buChar char="q"/>
+            </a:pPr>
             <a:r>
               <a:rPr lang="en-US" sz="1200" i="0" dirty="0"/>
-              <a:t>New </a:t>
-            </a:r>
-            <a:r>
-              <a:rPr lang="en-US" sz="1200" i="0" dirty="0" err="1"/>
-              <a:t>Saas</a:t>
-            </a:r>
-            <a:r>
-              <a:rPr lang="en-US" sz="1200" i="0" dirty="0"/>
-              <a:t> Inc. serves ninety-nine major corporate customers across the globe. </a:t>
-            </a:r>
-            <a:endParaRPr lang="en-US" sz="1200" i="0" dirty="0" smtClean="0"/>
+              <a:t>The top five customers in 2024 were: Prudential Services, Johnson &amp; Johnson, Bank of America, Ford Motor Co., and Wal-Mart.</a:t>
+            </a:r>
           </a:p>
           <a:p>
             <a:pPr marL="171450" indent="-171450">
@@ -5764,21 +5660,38 @@
             <a:endParaRPr lang="en-US" sz="1200" i="0" dirty="0"/>
           </a:p>
           <a:p>
+            <a:pPr marL="628558" lvl="1" indent="-171450">
+              <a:buFont typeface="Wingdings" panose="05000000000000000000" pitchFamily="2" charset="2"/>
+              <a:buChar char="q"/>
+            </a:pPr>
+            <a:r>
+              <a:rPr lang="en-US" sz="1200" i="0" dirty="0"/>
+              <a:t> The top five customer service industries in 2024 were: Healthcare (19%), Finance (14%), Retail (12%), Transportation (9%), and Insurance Services (8%). </a:t>
+            </a:r>
+          </a:p>
+          <a:p>
             <a:pPr marL="171450" indent="-171450">
               <a:buFont typeface="Wingdings" panose="05000000000000000000" pitchFamily="2" charset="2"/>
               <a:buChar char="q"/>
             </a:pPr>
-            <a:r>
-              <a:rPr lang="en-US" sz="1200" i="0" dirty="0" smtClean="0"/>
-              <a:t>The </a:t>
-            </a:r>
+            <a:endParaRPr lang="en-US" sz="1200" i="0" dirty="0"/>
+          </a:p>
+          <a:p>
+            <a:pPr marL="628558" lvl="1" indent="-171450">
+              <a:buFont typeface="Wingdings" panose="05000000000000000000" pitchFamily="2" charset="2"/>
+              <a:buChar char="q"/>
+            </a:pPr>
             <a:r>
               <a:rPr lang="en-US" sz="1200" i="0" dirty="0"/>
-              <a:t>top five customers in 2024 were: Prudential Services, Johnson &amp; Johnson, Bank of America, Ford Motor Co., and Wal-Mart</a:t>
-            </a:r>
-            <a:r>
-              <a:rPr lang="en-US" sz="1200" i="0" dirty="0" smtClean="0"/>
-              <a:t>.</a:t>
+              <a:t>New </a:t>
+            </a:r>
+            <a:r>
+              <a:rPr lang="en-US" sz="1200" i="0" dirty="0" err="1"/>
+              <a:t>Saas</a:t>
+            </a:r>
+            <a:r>
+              <a:rPr lang="en-US" sz="1200" i="0" dirty="0"/>
+              <a:t> Inc. ended the year 2024 with a record $56 million in net subscription revenue, an 18% increase over the previous year.</a:t>
             </a:r>
           </a:p>
           <a:p>
@@ -5793,15 +5706,40 @@
               <a:buFont typeface="Wingdings" panose="05000000000000000000" pitchFamily="2" charset="2"/>
               <a:buChar char="q"/>
             </a:pPr>
-            <a:r>
-              <a:rPr lang="en-US" sz="1200" i="0" dirty="0" smtClean="0"/>
-              <a:t> </a:t>
-            </a:r>
+            <a:endParaRPr lang="en-US" sz="1200" i="0" dirty="0"/>
+          </a:p>
+          <a:p>
+            <a:r>
+              <a:rPr lang="en-US" sz="1200" b="1" i="0" dirty="0"/>
+              <a:t>Key Insights</a:t>
+            </a:r>
+          </a:p>
+          <a:p>
+            <a:endParaRPr lang="en-US" sz="1200" i="0" dirty="0"/>
+          </a:p>
+          <a:p>
+            <a:pPr marL="628558" lvl="1" indent="-171450">
+              <a:buFont typeface="Wingdings" panose="05000000000000000000" pitchFamily="2" charset="2"/>
+              <a:buChar char="q"/>
+            </a:pPr>
             <a:r>
               <a:rPr lang="en-US" sz="1200" i="0" dirty="0"/>
-              <a:t>The top five customer service industries in 2024 were: Healthcare (19%), Finance (14%), Retail (12%), Transportation (9%), and Insurance Services (8%). </a:t>
-            </a:r>
-            <a:endParaRPr lang="en-US" sz="1200" i="0" dirty="0" smtClean="0"/>
+              <a:t>New </a:t>
+            </a:r>
+            <a:r>
+              <a:rPr lang="en-US" sz="1200" i="0" dirty="0" err="1"/>
+              <a:t>Saas</a:t>
+            </a:r>
+            <a:r>
+              <a:rPr lang="en-US" sz="1200" i="0" dirty="0"/>
+              <a:t> Inc. provides seven major product solutions and two service subscription levels (Standard and Premium). </a:t>
+            </a:r>
+          </a:p>
+          <a:p>
+            <a:r>
+              <a:rPr lang="en-US" sz="1200" i="0" dirty="0"/>
+              <a:t>	Artificial Intelligence platform, Business Intelligence software, Core Platform Suite, Customer Service Cloud, Marketing 	Cloud, Sales Cloud, and Teams Productivity. </a:t>
+            </a:r>
           </a:p>
           <a:p>
             <a:pPr marL="171450" indent="-171450">
@@ -5811,25 +5749,38 @@
             <a:endParaRPr lang="en-US" sz="1200" i="0" dirty="0"/>
           </a:p>
           <a:p>
+            <a:pPr marL="628558" lvl="1" indent="-171450">
+              <a:buFont typeface="Wingdings" panose="05000000000000000000" pitchFamily="2" charset="2"/>
+              <a:buChar char="q"/>
+            </a:pPr>
+            <a:r>
+              <a:rPr lang="en-US" sz="1200" i="0" dirty="0"/>
+              <a:t>New </a:t>
+            </a:r>
+            <a:r>
+              <a:rPr lang="en-US" sz="1200" i="0" dirty="0" err="1"/>
+              <a:t>Saas</a:t>
+            </a:r>
+            <a:r>
+              <a:rPr lang="en-US" sz="1200" i="0" dirty="0"/>
+              <a:t> Inc. offers three different customer support plans:   Standard (level 1), Premier (level 2), and Signature (level 3). </a:t>
+            </a:r>
+          </a:p>
+          <a:p>
             <a:pPr marL="171450" indent="-171450">
               <a:buFont typeface="Wingdings" panose="05000000000000000000" pitchFamily="2" charset="2"/>
               <a:buChar char="q"/>
             </a:pPr>
-            <a:r>
-              <a:rPr lang="en-US" sz="1200" i="0" dirty="0" smtClean="0"/>
-              <a:t>New </a:t>
-            </a:r>
-            <a:r>
-              <a:rPr lang="en-US" sz="1200" i="0" dirty="0" err="1"/>
-              <a:t>Saas</a:t>
-            </a:r>
+            <a:endParaRPr lang="en-US" sz="1200" i="0" dirty="0"/>
+          </a:p>
+          <a:p>
+            <a:pPr marL="628558" lvl="1" indent="-171450">
+              <a:buFont typeface="Wingdings" panose="05000000000000000000" pitchFamily="2" charset="2"/>
+              <a:buChar char="q"/>
+            </a:pPr>
             <a:r>
               <a:rPr lang="en-US" sz="1200" i="0" dirty="0"/>
-              <a:t> Inc. ended the year 2024 with a record $56 million in net subscription revenue, an 18% increase over the previous year</a:t>
-            </a:r>
-            <a:r>
-              <a:rPr lang="en-US" sz="1200" i="0" dirty="0" smtClean="0"/>
-              <a:t>.</a:t>
+              <a:t>In 2024, the average customer subscribed to six out of the seven product offerings, subscribed to the Standard level customer support plan, and had twenty-two individual user licenses.</a:t>
             </a:r>
           </a:p>
           <a:p>
@@ -5840,125 +5791,13 @@
             <a:endParaRPr lang="en-US" sz="1200" i="0" dirty="0"/>
           </a:p>
           <a:p>
-            <a:pPr marL="171450" indent="-171450">
+            <a:pPr marL="628558" lvl="1" indent="-171450">
               <a:buFont typeface="Wingdings" panose="05000000000000000000" pitchFamily="2" charset="2"/>
               <a:buChar char="q"/>
             </a:pPr>
-            <a:endParaRPr lang="en-US" sz="1200" i="0" dirty="0" smtClean="0"/>
-          </a:p>
-          <a:p>
-            <a:r>
-              <a:rPr lang="en-US" sz="1200" b="1" i="0" dirty="0"/>
-              <a:t>Key </a:t>
-            </a:r>
-            <a:r>
-              <a:rPr lang="en-US" sz="1200" b="1" i="0" dirty="0" smtClean="0"/>
-              <a:t>Insights</a:t>
-            </a:r>
-          </a:p>
-          <a:p>
-            <a:endParaRPr lang="en-US" sz="1200" i="0" dirty="0"/>
-          </a:p>
-          <a:p>
-            <a:pPr marL="171450" indent="-171450">
-              <a:buFont typeface="Wingdings" panose="05000000000000000000" pitchFamily="2" charset="2"/>
-              <a:buChar char="q"/>
-            </a:pPr>
             <a:r>
               <a:rPr lang="en-US" sz="1200" i="0" dirty="0"/>
-              <a:t>New </a:t>
-            </a:r>
-            <a:r>
-              <a:rPr lang="en-US" sz="1200" i="0" dirty="0" err="1"/>
-              <a:t>Saas</a:t>
-            </a:r>
-            <a:r>
-              <a:rPr lang="en-US" sz="1200" i="0" dirty="0"/>
-              <a:t> Inc. provides seven major product solutions and two service subscription levels (Standard and Premium). </a:t>
-            </a:r>
-            <a:endParaRPr lang="en-US" sz="1200" i="0" dirty="0" smtClean="0"/>
-          </a:p>
-          <a:p>
-            <a:r>
-              <a:rPr lang="en-US" sz="1200" i="0" dirty="0" smtClean="0"/>
-              <a:t>The </a:t>
-            </a:r>
-            <a:r>
-              <a:rPr lang="en-US" sz="1200" i="0" dirty="0"/>
-              <a:t>major product offerings are: Artificial Intelligence platform, Business Intelligence software, Core Platform Suite, Customer Service Cloud, Marketing Cloud, Sales Cloud, and Teams Productivity. </a:t>
-            </a:r>
-            <a:endParaRPr lang="en-US" sz="1200" i="0" dirty="0" smtClean="0"/>
-          </a:p>
-          <a:p>
-            <a:pPr marL="171450" indent="-171450">
-              <a:buFont typeface="Wingdings" panose="05000000000000000000" pitchFamily="2" charset="2"/>
-              <a:buChar char="q"/>
-            </a:pPr>
-            <a:endParaRPr lang="en-US" sz="1200" i="0" dirty="0"/>
-          </a:p>
-          <a:p>
-            <a:pPr marL="171450" indent="-171450">
-              <a:buFont typeface="Wingdings" panose="05000000000000000000" pitchFamily="2" charset="2"/>
-              <a:buChar char="q"/>
-            </a:pPr>
-            <a:r>
-              <a:rPr lang="en-US" sz="1200" i="0" dirty="0" smtClean="0"/>
-              <a:t>New </a:t>
-            </a:r>
-            <a:r>
-              <a:rPr lang="en-US" sz="1200" i="0" dirty="0" err="1"/>
-              <a:t>Saas</a:t>
-            </a:r>
-            <a:r>
-              <a:rPr lang="en-US" sz="1200" i="0" dirty="0"/>
-              <a:t> Inc. offers three different customer support plans:   Standard (level 1), Premier (level 2), and Signature (level 3). </a:t>
-            </a:r>
-            <a:endParaRPr lang="en-US" sz="1200" i="0" dirty="0" smtClean="0"/>
-          </a:p>
-          <a:p>
-            <a:pPr marL="171450" indent="-171450">
-              <a:buFont typeface="Wingdings" panose="05000000000000000000" pitchFamily="2" charset="2"/>
-              <a:buChar char="q"/>
-            </a:pPr>
-            <a:endParaRPr lang="en-US" sz="1200" i="0" dirty="0"/>
-          </a:p>
-          <a:p>
-            <a:pPr marL="171450" indent="-171450">
-              <a:buFont typeface="Wingdings" panose="05000000000000000000" pitchFamily="2" charset="2"/>
-              <a:buChar char="q"/>
-            </a:pPr>
-            <a:r>
-              <a:rPr lang="en-US" sz="1200" i="0" dirty="0" smtClean="0"/>
-              <a:t>In </a:t>
-            </a:r>
-            <a:r>
-              <a:rPr lang="en-US" sz="1200" i="0" dirty="0"/>
-              <a:t>2024, the average customer subscribed to six out of the seven product offerings, subscribed to the Standard level customer support plan, and had twenty-two individual user licenses</a:t>
-            </a:r>
-            <a:r>
-              <a:rPr lang="en-US" sz="1200" i="0" dirty="0" smtClean="0"/>
-              <a:t>.</a:t>
-            </a:r>
-          </a:p>
-          <a:p>
-            <a:pPr marL="171450" indent="-171450">
-              <a:buFont typeface="Wingdings" panose="05000000000000000000" pitchFamily="2" charset="2"/>
-              <a:buChar char="q"/>
-            </a:pPr>
-            <a:endParaRPr lang="en-US" sz="1200" i="0" dirty="0"/>
-          </a:p>
-          <a:p>
-            <a:pPr marL="171450" indent="-171450">
-              <a:buFont typeface="Wingdings" panose="05000000000000000000" pitchFamily="2" charset="2"/>
-              <a:buChar char="q"/>
-            </a:pPr>
-            <a:r>
-              <a:rPr lang="en-US" sz="1200" i="0" dirty="0"/>
-              <a:t>In 2024, the Core Platform Suite generated the largest source of net subscription revenue at $11.8 million (or 21% of total company revenue). Business Intelligence software came in second place with $11.4 million (or 20%) of total company revenue.</a:t>
-            </a:r>
-            <a:r>
-              <a:rPr lang="en-US" sz="1200" i="0" dirty="0" smtClean="0"/>
-              <a:t> </a:t>
+              <a:t>In 2024, the Core Platform Suite generated the largest source of net subscription revenue at $11.8 million (or 21% of total company revenue). Business Intelligence software came in second place with $11.4 million (or 20%) of total company revenue. </a:t>
             </a:r>
             <a:endParaRPr lang="en-US" sz="1200" b="1" i="0" dirty="0">
               <a:latin typeface="Arial" panose="020B0604020202090204" pitchFamily="34" charset="0"/>
@@ -6032,48 +5871,39 @@
               <a:defRPr/>
             </a:pPr>
             <a:r>
-              <a:rPr lang="en-US" dirty="0" smtClean="0">
+              <a:rPr lang="en-US" dirty="0">
                 <a:effectLst/>
               </a:rPr>
               <a:t>New </a:t>
             </a:r>
             <a:r>
-              <a:rPr lang="en-US" dirty="0" err="1" smtClean="0">
+              <a:rPr lang="en-US" dirty="0" err="1">
                 <a:effectLst/>
               </a:rPr>
               <a:t>Saas</a:t>
             </a:r>
             <a:r>
-              <a:rPr lang="en-US" dirty="0" smtClean="0">
+              <a:rPr lang="en-US" dirty="0">
                 <a:effectLst/>
               </a:rPr>
               <a:t> (Software-as-a-Service) Inc.</a:t>
             </a:r>
             <a:br>
-              <a:rPr lang="en-US" dirty="0" smtClean="0">
+              <a:rPr lang="en-US" dirty="0">
                 <a:effectLst/>
               </a:rPr>
             </a:br>
-            <a:r>
-              <a:rPr lang="en-US" dirty="0" smtClean="0">
+            <a:br>
+              <a:rPr lang="en-US" dirty="0">
                 <a:effectLst/>
               </a:rPr>
-              <a:t/>
-            </a:r>
-            <a:br>
-              <a:rPr lang="en-US" dirty="0" smtClean="0">
+            </a:br>
+            <a:r>
+              <a:rPr lang="en-US" dirty="0">
                 <a:effectLst/>
               </a:rPr>
-            </a:br>
-            <a:r>
-              <a:rPr lang="en-US" dirty="0" smtClean="0">
-                <a:effectLst/>
-              </a:rPr>
               <a:t>Key Insights</a:t>
             </a:r>
-            <a:endParaRPr lang="en-US" dirty="0">
-              <a:effectLst/>
-            </a:endParaRPr>
           </a:p>
         </p:txBody>
       </p:sp>
@@ -6121,7 +5951,7 @@
           <p:cNvPr id="5" name="Text Box 3">
             <a:extLst>
               <a:ext uri="{FF2B5EF4-FFF2-40B4-BE49-F238E27FC236}">
-                <a16:creationId xmlns:a16="http://schemas.microsoft.com/office/drawing/2014/main" xmlns="" id="{AFD96FB7-0FBE-CCE1-6C4E-0DE03353B97E}"/>
+                <a16:creationId xmlns:a16="http://schemas.microsoft.com/office/drawing/2014/main" id="{AFD96FB7-0FBE-CCE1-6C4E-0DE03353B97E}"/>
               </a:ext>
             </a:extLst>
           </p:cNvPr>
@@ -6132,8 +5962,8 @@
         </p:nvSpPr>
         <p:spPr bwMode="auto">
           <a:xfrm>
-            <a:off x="203828" y="1388465"/>
-            <a:ext cx="9376106" cy="4713200"/>
+            <a:off x="203828" y="1265237"/>
+            <a:ext cx="9376106" cy="4897866"/>
           </a:xfrm>
           <a:prstGeom prst="rect">
             <a:avLst/>
@@ -6166,23 +5996,16 @@
               </a:spcBef>
             </a:pPr>
             <a:r>
-              <a:rPr lang="en-US" sz="1200" b="1" i="0" dirty="0" smtClean="0">
+              <a:rPr lang="en-US" sz="1200" b="1" i="0" dirty="0">
                 <a:latin typeface="HigherStandards-Light" pitchFamily="2" charset="0"/>
               </a:rPr>
               <a:t> </a:t>
             </a:r>
-            <a:endParaRPr lang="en-US" sz="1200" b="1" i="0" dirty="0">
-              <a:latin typeface="HigherStandards-Light" pitchFamily="2" charset="0"/>
-            </a:endParaRPr>
-          </a:p>
-          <a:p>
-            <a:r>
-              <a:rPr lang="en-US" sz="1200" i="0" dirty="0" smtClean="0"/>
-              <a:t>A </a:t>
-            </a:r>
+          </a:p>
+          <a:p>
             <a:r>
               <a:rPr lang="en-US" sz="1200" i="0" dirty="0"/>
-              <a:t>detailed analysis of 2024 subscription revenue transactions revealed two additional revenue growth opportunities for the year 2025.</a:t>
+              <a:t>A detailed analysis of 2024 subscription revenue transactions revealed two additional revenue growth opportunities for the year 2025.</a:t>
             </a:r>
           </a:p>
           <a:p>
@@ -6198,11 +6021,7 @@
             </a:r>
             <a:r>
               <a:rPr lang="en-US" sz="1200" i="0" dirty="0"/>
-              <a:t>    Four specific products have the potential to generate additional revenue in the year 2025</a:t>
-            </a:r>
-            <a:r>
-              <a:rPr lang="en-US" sz="1200" i="0" dirty="0" smtClean="0"/>
-              <a:t>.</a:t>
+              <a:t>    Four specific products have the potential to generate additional revenue in the year 2025.</a:t>
             </a:r>
           </a:p>
           <a:p>
@@ -6210,25 +6029,33 @@
           </a:p>
           <a:p>
             <a:endParaRPr lang="en-US" sz="1200" i="0" dirty="0"/>
+          </a:p>
+          <a:p>
+            <a:pPr marL="628558" lvl="1" indent="-171450">
+              <a:buFont typeface="Wingdings" panose="05000000000000000000" pitchFamily="2" charset="2"/>
+              <a:buChar char="q"/>
+            </a:pPr>
+            <a:r>
+              <a:rPr lang="en-US" sz="1200" i="0" dirty="0"/>
+              <a:t>Forty-four customers could benefit from the A.I. Platform and may lead to $1.2 million in incremental revenue in 2025. </a:t>
+            </a:r>
           </a:p>
           <a:p>
             <a:pPr marL="171450" lvl="0" indent="-171450">
               <a:buFont typeface="Wingdings" panose="05000000000000000000" pitchFamily="2" charset="2"/>
               <a:buChar char="q"/>
             </a:pPr>
+            <a:endParaRPr lang="en-US" sz="1200" i="0" dirty="0"/>
+          </a:p>
+          <a:p>
+            <a:pPr marL="628558" lvl="1" indent="-171450">
+              <a:buFont typeface="Wingdings" panose="05000000000000000000" pitchFamily="2" charset="2"/>
+              <a:buChar char="q"/>
+            </a:pPr>
             <a:r>
               <a:rPr lang="en-US" sz="1200" i="0" dirty="0"/>
-              <a:t>Forty-four customers </a:t>
-            </a:r>
-            <a:r>
-              <a:rPr lang="en-US" sz="1200" i="0" dirty="0" smtClean="0"/>
-              <a:t>could </a:t>
-            </a:r>
-            <a:r>
-              <a:rPr lang="en-US" sz="1200" i="0" dirty="0"/>
-              <a:t>benefit from the A.I. Platform and may lead to $1.2 million in incremental revenue in 2025. </a:t>
-            </a:r>
-            <a:endParaRPr lang="en-US" sz="1200" i="0" dirty="0" smtClean="0"/>
+              <a:t>Fourteen customers could benefit from the Teams Productivity platform and may lead to $896 thousand in additional revenue in 2025.</a:t>
+            </a:r>
           </a:p>
           <a:p>
             <a:pPr marL="171450" lvl="0" indent="-171450">
@@ -6238,149 +6065,87 @@
             <a:endParaRPr lang="en-US" sz="1200" i="0" dirty="0"/>
           </a:p>
           <a:p>
+            <a:pPr marL="628558" lvl="1" indent="-171450">
+              <a:buFont typeface="Wingdings" panose="05000000000000000000" pitchFamily="2" charset="2"/>
+              <a:buChar char="q"/>
+            </a:pPr>
+            <a:r>
+              <a:rPr lang="en-US" sz="1200" i="0" dirty="0"/>
+              <a:t>Two customers could benefit from the Sales Cloud platform and may lead to $124 thousand in additional revenue in 2025.</a:t>
+            </a:r>
+          </a:p>
+          <a:p>
             <a:pPr marL="171450" lvl="0" indent="-171450">
               <a:buFont typeface="Wingdings" panose="05000000000000000000" pitchFamily="2" charset="2"/>
               <a:buChar char="q"/>
             </a:pPr>
-            <a:r>
-              <a:rPr lang="en-US" sz="1200" i="0" dirty="0"/>
-              <a:t>Fourteen customers could benefit from the Teams Productivity platform and may lead to $896 thousand in additional revenue in 2025</a:t>
-            </a:r>
-            <a:r>
-              <a:rPr lang="en-US" sz="1200" i="0" dirty="0" smtClean="0"/>
-              <a:t>.</a:t>
-            </a:r>
-          </a:p>
-          <a:p>
-            <a:pPr marL="171450" lvl="0" indent="-171450">
+            <a:endParaRPr lang="en-US" sz="1200" i="0" dirty="0"/>
+          </a:p>
+          <a:p>
+            <a:pPr marL="628558" lvl="1" indent="-171450">
               <a:buFont typeface="Wingdings" panose="05000000000000000000" pitchFamily="2" charset="2"/>
               <a:buChar char="q"/>
             </a:pPr>
+            <a:r>
+              <a:rPr lang="en-US" sz="1200" i="0" dirty="0"/>
+              <a:t>Two customers could benefit from the Marketing Cloud platform and may lead to $138 thousand in additional revenue in 2025.</a:t>
+            </a:r>
+          </a:p>
+          <a:p>
+            <a:endParaRPr lang="en-US" sz="1200" b="1" i="0" dirty="0"/>
+          </a:p>
+          <a:p>
+            <a:endParaRPr lang="en-US" sz="1200" b="1" i="0" dirty="0"/>
+          </a:p>
+          <a:p>
+            <a:endParaRPr lang="en-US" sz="1200" b="1" i="0" dirty="0"/>
+          </a:p>
+          <a:p>
+            <a:r>
+              <a:rPr lang="en-US" sz="1200" b="1" i="0" dirty="0"/>
+              <a:t>Opportunity # 2:</a:t>
+            </a:r>
+            <a:r>
+              <a:rPr lang="en-US" sz="1200" i="0" dirty="0"/>
+              <a:t>   Some customers could benefit by upgrading their customer support level from Standard to Premier. The majority of New </a:t>
+            </a:r>
+            <a:r>
+              <a:rPr lang="en-US" sz="1200" i="0" dirty="0" err="1"/>
+              <a:t>Saas</a:t>
+            </a:r>
+            <a:r>
+              <a:rPr lang="en-US" sz="1200" i="0" dirty="0"/>
+              <a:t> Inc. customers have a subscription to a Premium (level 2) product but only have a Standard (Level 1) customer support plan subscription. </a:t>
+            </a:r>
+          </a:p>
+          <a:p>
             <a:endParaRPr lang="en-US" sz="1200" i="0" dirty="0"/>
           </a:p>
           <a:p>
-            <a:pPr marL="171450" lvl="0" indent="-171450">
+            <a:pPr marL="628558" lvl="1" indent="-171450">
               <a:buFont typeface="Wingdings" panose="05000000000000000000" pitchFamily="2" charset="2"/>
               <a:buChar char="q"/>
             </a:pPr>
             <a:r>
               <a:rPr lang="en-US" sz="1200" i="0" dirty="0"/>
-              <a:t>Two customers could benefit from the Sales Cloud platform and may lead to $124 thousand in additional revenue in 2025</a:t>
-            </a:r>
-            <a:r>
-              <a:rPr lang="en-US" sz="1200" i="0" dirty="0" smtClean="0"/>
-              <a:t>.</a:t>
-            </a:r>
-          </a:p>
-          <a:p>
-            <a:pPr marL="171450" lvl="0" indent="-171450">
-              <a:buFont typeface="Wingdings" panose="05000000000000000000" pitchFamily="2" charset="2"/>
-              <a:buChar char="q"/>
-            </a:pPr>
-            <a:endParaRPr lang="en-US" sz="1200" i="0" dirty="0"/>
-          </a:p>
-          <a:p>
-            <a:pPr marL="171450" lvl="0" indent="-171450">
-              <a:buFont typeface="Wingdings" panose="05000000000000000000" pitchFamily="2" charset="2"/>
-              <a:buChar char="q"/>
-            </a:pPr>
-            <a:r>
-              <a:rPr lang="en-US" sz="1200" i="0" dirty="0"/>
-              <a:t>Two customers could benefit from the Marketing Cloud platform and may lead to $138 thousand in additional revenue in 2025.</a:t>
-            </a:r>
-          </a:p>
-          <a:p>
-            <a:endParaRPr lang="en-US" sz="1200" b="1" i="0" dirty="0" smtClean="0"/>
-          </a:p>
-          <a:p>
-            <a:endParaRPr lang="en-US" sz="1200" b="1" i="0" dirty="0"/>
-          </a:p>
-          <a:p>
-            <a:endParaRPr lang="en-US" sz="1200" b="1" i="0" dirty="0" smtClean="0"/>
-          </a:p>
-          <a:p>
-            <a:r>
-              <a:rPr lang="en-US" sz="1200" b="1" i="0" dirty="0" smtClean="0"/>
-              <a:t>Opportunity </a:t>
-            </a:r>
-            <a:r>
-              <a:rPr lang="en-US" sz="1200" b="1" i="0" dirty="0"/>
-              <a:t># 2:</a:t>
-            </a:r>
-            <a:r>
-              <a:rPr lang="en-US" sz="1200" i="0" dirty="0"/>
-              <a:t>   Some customers could benefit by upgrading their customer support level from </a:t>
-            </a:r>
-            <a:r>
-              <a:rPr lang="en-US" sz="1200" i="0" dirty="0" smtClean="0"/>
-              <a:t>Standard to Premier. </a:t>
-            </a:r>
-            <a:r>
-              <a:rPr lang="en-US" sz="1200" i="0" dirty="0"/>
-              <a:t>The majority of New </a:t>
-            </a:r>
-            <a:r>
-              <a:rPr lang="en-US" sz="1200" i="0" dirty="0" err="1"/>
-              <a:t>Saas</a:t>
-            </a:r>
-            <a:r>
-              <a:rPr lang="en-US" sz="1200" i="0" dirty="0"/>
-              <a:t> Inc. customers have a subscription to a Premium (level 2) product but only have a Standard (Level 1) customer support plan subscription. </a:t>
-            </a:r>
-            <a:endParaRPr lang="en-US" sz="1200" i="0" dirty="0" smtClean="0"/>
-          </a:p>
-          <a:p>
-            <a:endParaRPr lang="en-US" sz="1200" i="0" dirty="0"/>
+              <a:t>Incremental customer support revenue in between the range of $399 thousand and $799 thousand could be realized in 2025 if these customers upgrade their customer support plan from Standard (Level 1) to Premier (Level 2).</a:t>
+            </a:r>
           </a:p>
           <a:p>
             <a:pPr marL="171450" indent="-171450">
               <a:buFont typeface="Wingdings" panose="05000000000000000000" pitchFamily="2" charset="2"/>
               <a:buChar char="q"/>
             </a:pPr>
-            <a:r>
-              <a:rPr lang="en-US" sz="1200" i="0" dirty="0" smtClean="0"/>
-              <a:t>Incremental </a:t>
-            </a:r>
-            <a:r>
-              <a:rPr lang="en-US" sz="1200" i="0" dirty="0"/>
-              <a:t>customer support revenue in between the range of $399 thousand and $799 thousand could be realized in 2025 if these customers upgrade their customer support plan from Standard (Level 1) to </a:t>
-            </a:r>
-            <a:r>
-              <a:rPr lang="en-US" sz="1200" i="0" dirty="0" smtClean="0"/>
-              <a:t>Premier </a:t>
-            </a:r>
-            <a:r>
-              <a:rPr lang="en-US" sz="1200" i="0" dirty="0"/>
-              <a:t>(Level 2</a:t>
-            </a:r>
-            <a:r>
-              <a:rPr lang="en-US" sz="1200" i="0" dirty="0" smtClean="0"/>
-              <a:t>).</a:t>
-            </a:r>
-          </a:p>
-          <a:p>
-            <a:pPr marL="171450" indent="-171450">
+            <a:endParaRPr lang="en-US" sz="1200" i="0" dirty="0"/>
+          </a:p>
+          <a:p>
+            <a:pPr marL="628558" lvl="1" indent="-171450">
               <a:buFont typeface="Wingdings" panose="05000000000000000000" pitchFamily="2" charset="2"/>
               <a:buChar char="q"/>
             </a:pPr>
-            <a:endParaRPr lang="en-US" sz="1200" i="0" dirty="0" smtClean="0"/>
-          </a:p>
-          <a:p>
-            <a:pPr marL="171450" indent="-171450">
-              <a:buFont typeface="Wingdings" panose="05000000000000000000" pitchFamily="2" charset="2"/>
-              <a:buChar char="q"/>
-            </a:pPr>
-            <a:r>
-              <a:rPr lang="en-US" sz="1200" i="0" dirty="0" smtClean="0"/>
-              <a:t> </a:t>
-            </a:r>
             <a:r>
               <a:rPr lang="en-US" sz="1200" i="0" dirty="0"/>
-              <a:t>If customers upgrade their support level to Signature (Level 3), then somewhere between $878 thousand and $1.8 million in additional revenue could be generated in 2025</a:t>
-            </a:r>
-            <a:r>
-              <a:rPr lang="en-US" sz="1200" i="0" dirty="0" smtClean="0"/>
-              <a:t>. </a:t>
+              <a:t> If customers upgrade their support level to Signature (Level 3), then somewhere between $878 thousand and $1.8 million in additional revenue could be generated in 2025. </a:t>
             </a:r>
             <a:endParaRPr lang="en-US" sz="1200" b="1" i="0" dirty="0">
               <a:latin typeface="Arial" panose="020B0604020202090204" pitchFamily="34" charset="0"/>
@@ -6454,48 +6219,39 @@
               <a:defRPr/>
             </a:pPr>
             <a:r>
-              <a:rPr lang="en-US" dirty="0" smtClean="0">
+              <a:rPr lang="en-US" dirty="0">
                 <a:effectLst/>
               </a:rPr>
               <a:t>New </a:t>
             </a:r>
             <a:r>
-              <a:rPr lang="en-US" dirty="0" err="1" smtClean="0">
+              <a:rPr lang="en-US" dirty="0" err="1">
                 <a:effectLst/>
               </a:rPr>
               <a:t>Saas</a:t>
             </a:r>
             <a:r>
-              <a:rPr lang="en-US" dirty="0" smtClean="0">
+              <a:rPr lang="en-US" dirty="0">
                 <a:effectLst/>
               </a:rPr>
               <a:t> (Software-as-a-Service) Inc.</a:t>
             </a:r>
             <a:br>
-              <a:rPr lang="en-US" dirty="0" smtClean="0">
+              <a:rPr lang="en-US" dirty="0">
                 <a:effectLst/>
               </a:rPr>
             </a:br>
-            <a:r>
-              <a:rPr lang="en-US" dirty="0" smtClean="0">
+            <a:br>
+              <a:rPr lang="en-US" dirty="0">
                 <a:effectLst/>
               </a:rPr>
-              <a:t/>
-            </a:r>
-            <a:br>
-              <a:rPr lang="en-US" dirty="0" smtClean="0">
+            </a:br>
+            <a:r>
+              <a:rPr lang="en-US" dirty="0">
                 <a:effectLst/>
               </a:rPr>
-            </a:br>
-            <a:r>
-              <a:rPr lang="en-US" dirty="0" smtClean="0">
-                <a:effectLst/>
-              </a:rPr>
               <a:t>Recommendations</a:t>
             </a:r>
-            <a:endParaRPr lang="en-US" dirty="0">
-              <a:effectLst/>
-            </a:endParaRPr>
           </a:p>
         </p:txBody>
       </p:sp>
@@ -6543,7 +6299,7 @@
           <p:cNvPr id="5" name="Text Box 3">
             <a:extLst>
               <a:ext uri="{FF2B5EF4-FFF2-40B4-BE49-F238E27FC236}">
-                <a16:creationId xmlns:a16="http://schemas.microsoft.com/office/drawing/2014/main" xmlns="" id="{AFD96FB7-0FBE-CCE1-6C4E-0DE03353B97E}"/>
+                <a16:creationId xmlns:a16="http://schemas.microsoft.com/office/drawing/2014/main" id="{AFD96FB7-0FBE-CCE1-6C4E-0DE03353B97E}"/>
               </a:ext>
             </a:extLst>
           </p:cNvPr>
@@ -6588,18 +6344,15 @@
               </a:spcBef>
             </a:pPr>
             <a:r>
-              <a:rPr lang="en-US" sz="1200" b="1" i="0" dirty="0" smtClean="0">
+              <a:rPr lang="en-US" sz="1200" b="1" i="0" dirty="0">
                 <a:latin typeface="HigherStandards-Light" pitchFamily="2" charset="0"/>
               </a:rPr>
               <a:t> </a:t>
             </a:r>
-            <a:endParaRPr lang="en-US" sz="1200" b="1" i="0" dirty="0">
-              <a:latin typeface="HigherStandards-Light" pitchFamily="2" charset="0"/>
-            </a:endParaRPr>
-          </a:p>
-          <a:p>
-            <a:r>
-              <a:rPr lang="en-US" sz="1200" i="0" dirty="0" smtClean="0"/>
+          </a:p>
+          <a:p>
+            <a:r>
+              <a:rPr lang="en-US" sz="1200" i="0" dirty="0"/>
               <a:t>Two recommendations should be considered for year 2025, as follows:</a:t>
             </a:r>
           </a:p>
@@ -6611,40 +6364,8 @@
               <a:buAutoNum type="arabicPeriod"/>
             </a:pPr>
             <a:r>
-              <a:rPr lang="en-US" sz="1200" i="0" dirty="0" smtClean="0"/>
-              <a:t>The </a:t>
-            </a:r>
-            <a:r>
               <a:rPr lang="en-US" sz="1200" i="0" dirty="0"/>
-              <a:t>Sales and Marketing Team should review the detailed report of customers appearing under Opportunity # 1. </a:t>
-            </a:r>
-            <a:r>
-              <a:rPr lang="en-US" sz="1200" i="0" dirty="0" smtClean="0"/>
-              <a:t>If </a:t>
-            </a:r>
-            <a:r>
-              <a:rPr lang="en-US" sz="1200" i="0" dirty="0"/>
-              <a:t>a </a:t>
-            </a:r>
-            <a:r>
-              <a:rPr lang="en-US" sz="1200" i="0" dirty="0" smtClean="0"/>
-              <a:t>	successful </a:t>
-            </a:r>
-            <a:r>
-              <a:rPr lang="en-US" sz="1200" i="0" dirty="0"/>
-              <a:t>campaign to cross-sell these products to the current customer base is launched, these product cross-sells could </a:t>
-            </a:r>
-            <a:r>
-              <a:rPr lang="en-US" sz="1200" i="0" dirty="0" smtClean="0"/>
-              <a:t>	lead </a:t>
-            </a:r>
-            <a:r>
-              <a:rPr lang="en-US" sz="1200" i="0" dirty="0"/>
-              <a:t>to $2.4 million in incremental revenue in 2025</a:t>
-            </a:r>
-            <a:r>
-              <a:rPr lang="en-US" sz="1200" i="0" dirty="0" smtClean="0"/>
-              <a:t>.</a:t>
+              <a:t>The Sales and Marketing Team should review the detailed report of customers appearing under Opportunity # 1. If a 	successful campaign to cross-sell these products to the current customer base is launched, these product cross-sells could 	lead to $2.4 million in incremental revenue in 2025.</a:t>
             </a:r>
           </a:p>
           <a:p>
@@ -6657,39 +6378,7 @@
             <a:pPr lvl="1"/>
             <a:r>
               <a:rPr lang="en-US" sz="1200" i="0" dirty="0"/>
-              <a:t>2. </a:t>
-            </a:r>
-            <a:r>
-              <a:rPr lang="en-US" sz="1200" i="0" dirty="0" smtClean="0"/>
-              <a:t>  For </a:t>
-            </a:r>
-            <a:r>
-              <a:rPr lang="en-US" sz="1200" i="0" dirty="0"/>
-              <a:t>opportunity # 2, the Sales and Marketing Team should review the list of customers who have a Premium level subscription </a:t>
-            </a:r>
-            <a:r>
-              <a:rPr lang="en-US" sz="1200" i="0" dirty="0" smtClean="0"/>
-              <a:t>	product </a:t>
-            </a:r>
-            <a:r>
-              <a:rPr lang="en-US" sz="1200" i="0" dirty="0"/>
-              <a:t>but only have a Standard (Level 1) customer support plan. If these customers elect to upgrade their support plan </a:t>
-            </a:r>
-            <a:r>
-              <a:rPr lang="en-US" sz="1200" i="0" dirty="0" smtClean="0"/>
-              <a:t>	levels</a:t>
-            </a:r>
-            <a:r>
-              <a:rPr lang="en-US" sz="1200" i="0" dirty="0"/>
-              <a:t>, an estimated range between $399 thousand (conservative estimate) and $1.8 million (aggressive estimate) in </a:t>
-            </a:r>
-            <a:r>
-              <a:rPr lang="en-US" sz="1200" i="0" dirty="0" smtClean="0"/>
-              <a:t>	additional </a:t>
-            </a:r>
-            <a:r>
-              <a:rPr lang="en-US" sz="1200" i="0" dirty="0"/>
-              <a:t>revenue could be achieved in 2025.</a:t>
+              <a:t>2.   For opportunity # 2, the Sales and Marketing Team should review the list of customers who have a Premium level subscription 	product but only have a Standard (Level 1) customer support plan. If these customers elect to upgrade their support plan 	levels, an estimated range between $399 thousand (conservative estimate) and $1.8 million (aggressive estimate) in 	additional revenue could be achieved in 2025.</a:t>
             </a:r>
           </a:p>
           <a:p>
@@ -6777,19 +6466,7 @@
               <a:rPr lang="en-US" dirty="0">
                 <a:effectLst/>
               </a:rPr>
-              <a:t> </a:t>
-            </a:r>
-            <a:r>
-              <a:rPr lang="en-US" dirty="0" smtClean="0">
-                <a:effectLst/>
-              </a:rPr>
-              <a:t>Inc</a:t>
-            </a:r>
-            <a:r>
-              <a:rPr lang="en-US" dirty="0">
-                <a:effectLst/>
-              </a:rPr>
-              <a:t>.    (SQL Database-  Overview and Major Analysis Steps)</a:t>
+              <a:t> Inc.    (SQL Database-  Overview and Major Analysis Steps)</a:t>
             </a:r>
           </a:p>
         </p:txBody>
@@ -6838,7 +6515,7 @@
           <p:cNvPr id="4" name="Text Box 3">
             <a:extLst>
               <a:ext uri="{FF2B5EF4-FFF2-40B4-BE49-F238E27FC236}">
-                <a16:creationId xmlns:a16="http://schemas.microsoft.com/office/drawing/2014/main" xmlns="" id="{B5038F16-A743-8B9B-B6F8-271B0F4E565C}"/>
+                <a16:creationId xmlns:a16="http://schemas.microsoft.com/office/drawing/2014/main" id="{B5038F16-A743-8B9B-B6F8-271B0F4E565C}"/>
               </a:ext>
             </a:extLst>
           </p:cNvPr>
@@ -6985,33 +6662,8 @@
                 <a:latin typeface="Arial" panose="020B0604020202090204" pitchFamily="34" charset="0"/>
                 <a:cs typeface="Arial" panose="020B0604020202090204" pitchFamily="34" charset="0"/>
               </a:rPr>
-              <a:t>   Sales by </a:t>
-            </a:r>
-            <a:r>
-              <a:rPr lang="en-US" sz="1200" i="0" dirty="0" smtClean="0">
-                <a:latin typeface="Arial" panose="020B0604020202090204" pitchFamily="34" charset="0"/>
-                <a:cs typeface="Arial" panose="020B0604020202090204" pitchFamily="34" charset="0"/>
-              </a:rPr>
-              <a:t>Product, Customer Support Plan levels, Top </a:t>
-            </a:r>
-            <a:r>
-              <a:rPr lang="en-US" sz="1200" i="0" dirty="0">
-                <a:latin typeface="Arial" panose="020B0604020202090204" pitchFamily="34" charset="0"/>
-                <a:cs typeface="Arial" panose="020B0604020202090204" pitchFamily="34" charset="0"/>
-              </a:rPr>
-              <a:t>10 </a:t>
-            </a:r>
-            <a:r>
-              <a:rPr lang="en-US" sz="1200" i="0" dirty="0" smtClean="0">
-                <a:latin typeface="Arial" panose="020B0604020202090204" pitchFamily="34" charset="0"/>
-                <a:cs typeface="Arial" panose="020B0604020202090204" pitchFamily="34" charset="0"/>
-              </a:rPr>
-              <a:t>Customers &amp; Industries.</a:t>
-            </a:r>
-            <a:endParaRPr lang="en-US" sz="1200" i="0" dirty="0">
-              <a:latin typeface="Arial" panose="020B0604020202090204" pitchFamily="34" charset="0"/>
-              <a:cs typeface="Arial" panose="020B0604020202090204" pitchFamily="34" charset="0"/>
-            </a:endParaRPr>
+              <a:t>   Sales by Product, Customer Support Plan levels, Top 10 Customers &amp; Industries.</a:t>
+            </a:r>
           </a:p>
           <a:p>
             <a:pPr marL="358571" indent="-358571">
@@ -7262,7 +6914,7 @@
           <p:cNvPr id="5" name="Text Box 3">
             <a:extLst>
               <a:ext uri="{FF2B5EF4-FFF2-40B4-BE49-F238E27FC236}">
-                <a16:creationId xmlns:a16="http://schemas.microsoft.com/office/drawing/2014/main" xmlns="" id="{AFD96FB7-0FBE-CCE1-6C4E-0DE03353B97E}"/>
+                <a16:creationId xmlns:a16="http://schemas.microsoft.com/office/drawing/2014/main" id="{AFD96FB7-0FBE-CCE1-6C4E-0DE03353B97E}"/>
               </a:ext>
             </a:extLst>
           </p:cNvPr>
@@ -7419,7 +7071,7 @@
         <p:cNvPr id="1" name="">
           <a:extLst>
             <a:ext uri="{FF2B5EF4-FFF2-40B4-BE49-F238E27FC236}">
-              <a16:creationId xmlns:a16="http://schemas.microsoft.com/office/drawing/2014/main" xmlns="" id="{BE7A467B-ECC1-7A6D-E92C-24698ED8250E}"/>
+              <a16:creationId xmlns:a16="http://schemas.microsoft.com/office/drawing/2014/main" id="{BE7A467B-ECC1-7A6D-E92C-24698ED8250E}"/>
             </a:ext>
           </a:extLst>
         </p:cNvPr>
@@ -7439,7 +7091,7 @@
           <p:cNvPr id="2" name="Title 1">
             <a:extLst>
               <a:ext uri="{FF2B5EF4-FFF2-40B4-BE49-F238E27FC236}">
-                <a16:creationId xmlns:a16="http://schemas.microsoft.com/office/drawing/2014/main" xmlns="" id="{CB64955C-345D-F10F-ED87-882F83FB8953}"/>
+                <a16:creationId xmlns:a16="http://schemas.microsoft.com/office/drawing/2014/main" id="{CB64955C-345D-F10F-ED87-882F83FB8953}"/>
               </a:ext>
             </a:extLst>
           </p:cNvPr>
@@ -7478,43 +7130,7 @@
               <a:rPr lang="en-US" dirty="0">
                 <a:effectLst/>
               </a:rPr>
-              <a:t>New </a:t>
-            </a:r>
-            <a:r>
-              <a:rPr lang="en-US" dirty="0" err="1">
-                <a:effectLst/>
-              </a:rPr>
-              <a:t>Saas</a:t>
-            </a:r>
-            <a:r>
-              <a:rPr lang="en-US">
-                <a:effectLst/>
-              </a:rPr>
-              <a:t> </a:t>
-            </a:r>
-            <a:r>
-              <a:rPr lang="en-US" smtClean="0">
-                <a:effectLst/>
-              </a:rPr>
-              <a:t>Inc</a:t>
-            </a:r>
-            <a:r>
-              <a:rPr lang="en-US" dirty="0">
-                <a:effectLst/>
-              </a:rPr>
-              <a:t>. </a:t>
-            </a:r>
-            <a:r>
-              <a:rPr lang="en-US" dirty="0" smtClean="0">
-                <a:effectLst/>
-              </a:rPr>
-              <a:t>- SQL Database </a:t>
-            </a:r>
-            <a:r>
-              <a:rPr lang="en-US" dirty="0">
-                <a:effectLst/>
-              </a:rPr>
-              <a:t>Design Overview  (Table relationships)</a:t>
+              <a:t>New Saas Inc. - SQL Database Design Overview  (Table relationships)</a:t>
             </a:r>
           </a:p>
         </p:txBody>
@@ -7524,7 +7140,7 @@
           <p:cNvPr id="8" name="Slide Number Placeholder 3">
             <a:extLst>
               <a:ext uri="{FF2B5EF4-FFF2-40B4-BE49-F238E27FC236}">
-                <a16:creationId xmlns:a16="http://schemas.microsoft.com/office/drawing/2014/main" xmlns="" id="{5D0138BA-1EF9-EDAB-F63B-FC1A53E6753E}"/>
+                <a16:creationId xmlns:a16="http://schemas.microsoft.com/office/drawing/2014/main" id="{5D0138BA-1EF9-EDAB-F63B-FC1A53E6753E}"/>
               </a:ext>
             </a:extLst>
           </p:cNvPr>
@@ -7569,7 +7185,7 @@
           <p:cNvPr id="5" name="Picture 4">
             <a:extLst>
               <a:ext uri="{FF2B5EF4-FFF2-40B4-BE49-F238E27FC236}">
-                <a16:creationId xmlns:a16="http://schemas.microsoft.com/office/drawing/2014/main" xmlns="" id="{ADC6BE6E-2067-8CCD-ADC8-F167B81BAFB7}"/>
+                <a16:creationId xmlns:a16="http://schemas.microsoft.com/office/drawing/2014/main" id="{ADC6BE6E-2067-8CCD-ADC8-F167B81BAFB7}"/>
               </a:ext>
             </a:extLst>
           </p:cNvPr>
